--- a/Summarization/pca_presentacion_summarization.pptx
+++ b/Summarization/pca_presentacion_summarization.pptx
@@ -3930,7 +3930,7 @@
                 <a:effectLst/>
                 <a:latin typeface="Consolas" panose="020B0609020204030204" pitchFamily="49" charset="0"/>
               </a:rPr>
-              <a:t>Esto implica una </a:t>
+              <a:t>Esto podría implicar una </a:t>
             </a:r>
             <a:r>
               <a:rPr lang="es-ES" sz="2400" b="1" dirty="0">
